--- a/119EC0038 ML PROJECT.pptx
+++ b/119EC0038 ML PROJECT.pptx
@@ -412,7 +412,7 @@
             <a:fld id="{C808257D-09DD-4B35-94E4-24D648983A0F}" type="datetimeFigureOut">
               <a:rPr lang="en-US" smtClean="0"/>
               <a:pPr/>
-              <a:t>10/3/2022</a:t>
+              <a:t>10/8/2022</a:t>
             </a:fld>
             <a:endParaRPr lang="en-US"/>
           </a:p>
@@ -807,7 +807,7 @@
             <a:fld id="{C808257D-09DD-4B35-94E4-24D648983A0F}" type="datetimeFigureOut">
               <a:rPr lang="en-US" smtClean="0"/>
               <a:pPr/>
-              <a:t>10/3/2022</a:t>
+              <a:t>10/8/2022</a:t>
             </a:fld>
             <a:endParaRPr lang="en-US"/>
           </a:p>
@@ -1342,7 +1342,7 @@
             <a:fld id="{C808257D-09DD-4B35-94E4-24D648983A0F}" type="datetimeFigureOut">
               <a:rPr lang="en-US" smtClean="0"/>
               <a:pPr/>
-              <a:t>10/3/2022</a:t>
+              <a:t>10/8/2022</a:t>
             </a:fld>
             <a:endParaRPr lang="en-US"/>
           </a:p>
@@ -1476,7 +1476,7 @@
             <a:fld id="{C808257D-09DD-4B35-94E4-24D648983A0F}" type="datetimeFigureOut">
               <a:rPr lang="en-US" smtClean="0"/>
               <a:pPr/>
-              <a:t>10/3/2022</a:t>
+              <a:t>10/8/2022</a:t>
             </a:fld>
             <a:endParaRPr lang="en-US"/>
           </a:p>
@@ -2021,7 +2021,7 @@
             <a:fld id="{C808257D-09DD-4B35-94E4-24D648983A0F}" type="datetimeFigureOut">
               <a:rPr lang="en-US" smtClean="0"/>
               <a:pPr/>
-              <a:t>10/3/2022</a:t>
+              <a:t>10/8/2022</a:t>
             </a:fld>
             <a:endParaRPr lang="en-US"/>
           </a:p>
@@ -2318,7 +2318,7 @@
             <a:fld id="{C808257D-09DD-4B35-94E4-24D648983A0F}" type="datetimeFigureOut">
               <a:rPr lang="en-US" smtClean="0"/>
               <a:pPr/>
-              <a:t>10/3/2022</a:t>
+              <a:t>10/8/2022</a:t>
             </a:fld>
             <a:endParaRPr lang="en-US"/>
           </a:p>
@@ -2979,7 +2979,7 @@
             <a:fld id="{C808257D-09DD-4B35-94E4-24D648983A0F}" type="datetimeFigureOut">
               <a:rPr lang="en-US" smtClean="0"/>
               <a:pPr/>
-              <a:t>10/3/2022</a:t>
+              <a:t>10/8/2022</a:t>
             </a:fld>
             <a:endParaRPr lang="en-US"/>
           </a:p>
@@ -3417,7 +3417,7 @@
             <a:fld id="{C808257D-09DD-4B35-94E4-24D648983A0F}" type="datetimeFigureOut">
               <a:rPr lang="en-US" smtClean="0"/>
               <a:pPr/>
-              <a:t>10/3/2022</a:t>
+              <a:t>10/8/2022</a:t>
             </a:fld>
             <a:endParaRPr lang="en-US"/>
           </a:p>
@@ -3732,7 +3732,7 @@
             <a:fld id="{C808257D-09DD-4B35-94E4-24D648983A0F}" type="datetimeFigureOut">
               <a:rPr lang="en-US" smtClean="0"/>
               <a:pPr/>
-              <a:t>10/3/2022</a:t>
+              <a:t>10/8/2022</a:t>
             </a:fld>
             <a:endParaRPr lang="en-US"/>
           </a:p>
@@ -4467,7 +4467,7 @@
             <a:fld id="{C808257D-09DD-4B35-94E4-24D648983A0F}" type="datetimeFigureOut">
               <a:rPr lang="en-US" smtClean="0"/>
               <a:pPr/>
-              <a:t>10/3/2022</a:t>
+              <a:t>10/8/2022</a:t>
             </a:fld>
             <a:endParaRPr lang="en-US"/>
           </a:p>
@@ -5133,7 +5133,7 @@
             <a:fld id="{C808257D-09DD-4B35-94E4-24D648983A0F}" type="datetimeFigureOut">
               <a:rPr lang="en-US" smtClean="0"/>
               <a:pPr/>
-              <a:t>10/3/2022</a:t>
+              <a:t>10/8/2022</a:t>
             </a:fld>
             <a:endParaRPr lang="en-US"/>
           </a:p>
@@ -5407,7 +5407,7 @@
             <a:fld id="{C808257D-09DD-4B35-94E4-24D648983A0F}" type="datetimeFigureOut">
               <a:rPr lang="en-US" smtClean="0"/>
               <a:pPr/>
-              <a:t>10/3/2022</a:t>
+              <a:t>10/8/2022</a:t>
             </a:fld>
             <a:endParaRPr lang="en-US"/>
           </a:p>
@@ -6166,6 +6166,16 @@
   <p:clrMapOvr>
     <a:masterClrMapping/>
   </p:clrMapOvr>
+  <p:transition>
+    <p:dissolve/>
+  </p:transition>
+  <p:timing>
+    <p:tnLst>
+      <p:par>
+        <p:cTn id="1" dur="indefinite" restart="never" nodeType="tmRoot"/>
+      </p:par>
+    </p:tnLst>
+  </p:timing>
 </p:sld>
 </file>
 
@@ -6336,6 +6346,16 @@
   <p:clrMapOvr>
     <a:masterClrMapping/>
   </p:clrMapOvr>
+  <p:transition>
+    <p:cover dir="ld"/>
+  </p:transition>
+  <p:timing>
+    <p:tnLst>
+      <p:par>
+        <p:cTn id="1" dur="indefinite" restart="never" nodeType="tmRoot"/>
+      </p:par>
+    </p:tnLst>
+  </p:timing>
 </p:sld>
 </file>
 
@@ -6431,6 +6451,16 @@
   <p:clrMapOvr>
     <a:masterClrMapping/>
   </p:clrMapOvr>
+  <p:transition>
+    <p:cover/>
+  </p:transition>
+  <p:timing>
+    <p:tnLst>
+      <p:par>
+        <p:cTn id="1" dur="indefinite" restart="never" nodeType="tmRoot"/>
+      </p:par>
+    </p:tnLst>
+  </p:timing>
 </p:sld>
 </file>
 
@@ -6524,6 +6554,16 @@
   <p:clrMapOvr>
     <a:masterClrMapping/>
   </p:clrMapOvr>
+  <p:transition>
+    <p:newsflash/>
+  </p:transition>
+  <p:timing>
+    <p:tnLst>
+      <p:par>
+        <p:cTn id="1" dur="indefinite" restart="never" nodeType="tmRoot"/>
+      </p:par>
+    </p:tnLst>
+  </p:timing>
 </p:sld>
 </file>
 
@@ -6694,6 +6734,16 @@
   <p:clrMapOvr>
     <a:masterClrMapping/>
   </p:clrMapOvr>
+  <p:transition>
+    <p:split orient="vert"/>
+  </p:transition>
+  <p:timing>
+    <p:tnLst>
+      <p:par>
+        <p:cTn id="1" dur="indefinite" restart="never" nodeType="tmRoot"/>
+      </p:par>
+    </p:tnLst>
+  </p:timing>
 </p:sld>
 </file>
 
@@ -6833,6 +6883,16 @@
   <p:clrMapOvr>
     <a:masterClrMapping/>
   </p:clrMapOvr>
+  <p:transition>
+    <p:comb/>
+  </p:transition>
+  <p:timing>
+    <p:tnLst>
+      <p:par>
+        <p:cTn id="1" dur="indefinite" restart="never" nodeType="tmRoot"/>
+      </p:par>
+    </p:tnLst>
+  </p:timing>
 </p:sld>
 </file>
 
@@ -7054,6 +7114,16 @@
   <p:clrMapOvr>
     <a:masterClrMapping/>
   </p:clrMapOvr>
+  <p:transition>
+    <p:fade/>
+  </p:transition>
+  <p:timing>
+    <p:tnLst>
+      <p:par>
+        <p:cTn id="1" dur="indefinite" restart="never" nodeType="tmRoot"/>
+      </p:par>
+    </p:tnLst>
+  </p:timing>
 </p:sld>
 </file>
 
@@ -7267,6 +7337,16 @@
   <p:clrMapOvr>
     <a:masterClrMapping/>
   </p:clrMapOvr>
+  <p:transition>
+    <p:wheel spokes="2"/>
+  </p:transition>
+  <p:timing>
+    <p:tnLst>
+      <p:par>
+        <p:cTn id="1" dur="indefinite" restart="never" nodeType="tmRoot"/>
+      </p:par>
+    </p:tnLst>
+  </p:timing>
 </p:sld>
 </file>
 
@@ -7478,6 +7558,16 @@
   <p:clrMapOvr>
     <a:masterClrMapping/>
   </p:clrMapOvr>
+  <p:transition>
+    <p:circle/>
+  </p:transition>
+  <p:timing>
+    <p:tnLst>
+      <p:par>
+        <p:cTn id="1" dur="indefinite" restart="never" nodeType="tmRoot"/>
+      </p:par>
+    </p:tnLst>
+  </p:timing>
 </p:sld>
 </file>
 
@@ -7623,6 +7713,16 @@
   <p:clrMapOvr>
     <a:masterClrMapping/>
   </p:clrMapOvr>
+  <p:transition>
+    <p:cover dir="lu"/>
+  </p:transition>
+  <p:timing>
+    <p:tnLst>
+      <p:par>
+        <p:cTn id="1" dur="indefinite" restart="never" nodeType="tmRoot"/>
+      </p:par>
+    </p:tnLst>
+  </p:timing>
 </p:sld>
 </file>
 
@@ -7700,6 +7800,16 @@
   <p:clrMapOvr>
     <a:masterClrMapping/>
   </p:clrMapOvr>
+  <p:transition>
+    <p:push/>
+  </p:transition>
+  <p:timing>
+    <p:tnLst>
+      <p:par>
+        <p:cTn id="1" dur="indefinite" restart="never" nodeType="tmRoot"/>
+      </p:par>
+    </p:tnLst>
+  </p:timing>
 </p:sld>
 </file>
 
@@ -7830,6 +7940,16 @@
   <p:clrMapOvr>
     <a:masterClrMapping/>
   </p:clrMapOvr>
+  <p:transition>
+    <p:wipe dir="d"/>
+  </p:transition>
+  <p:timing>
+    <p:tnLst>
+      <p:par>
+        <p:cTn id="1" dur="indefinite" restart="never" nodeType="tmRoot"/>
+      </p:par>
+    </p:tnLst>
+  </p:timing>
 </p:sld>
 </file>
 
@@ -7927,6 +8047,16 @@
   <p:clrMapOvr>
     <a:masterClrMapping/>
   </p:clrMapOvr>
+  <p:transition>
+    <p:pull dir="ru"/>
+  </p:transition>
+  <p:timing>
+    <p:tnLst>
+      <p:par>
+        <p:cTn id="1" dur="indefinite" restart="never" nodeType="tmRoot"/>
+      </p:par>
+    </p:tnLst>
+  </p:timing>
 </p:sld>
 </file>
 
@@ -8043,6 +8173,16 @@
   <p:clrMapOvr>
     <a:masterClrMapping/>
   </p:clrMapOvr>
+  <p:transition>
+    <p:randomBar dir="vert"/>
+  </p:transition>
+  <p:timing>
+    <p:tnLst>
+      <p:par>
+        <p:cTn id="1" dur="indefinite" restart="never" nodeType="tmRoot"/>
+      </p:par>
+    </p:tnLst>
+  </p:timing>
 </p:sld>
 </file>
 
@@ -8201,6 +8341,16 @@
   <p:clrMapOvr>
     <a:masterClrMapping/>
   </p:clrMapOvr>
+  <p:transition>
+    <p:strips dir="ru"/>
+  </p:transition>
+  <p:timing>
+    <p:tnLst>
+      <p:par>
+        <p:cTn id="1" dur="indefinite" restart="never" nodeType="tmRoot"/>
+      </p:par>
+    </p:tnLst>
+  </p:timing>
 </p:sld>
 </file>
 
@@ -8372,6 +8522,16 @@
   <p:clrMapOvr>
     <a:masterClrMapping/>
   </p:clrMapOvr>
+  <p:transition>
+    <p:zoom dir="in"/>
+  </p:transition>
+  <p:timing>
+    <p:tnLst>
+      <p:par>
+        <p:cTn id="1" dur="indefinite" restart="never" nodeType="tmRoot"/>
+      </p:par>
+    </p:tnLst>
+  </p:timing>
 </p:sld>
 </file>
 
@@ -8482,6 +8642,17 @@
             </a:r>
           </a:p>
           <a:p>
+            <a:r>
+              <a:rPr lang="en-US" dirty="0" smtClean="0"/>
+              <a:t>By seeing the training and testing for each classifier, I can conclude that the classifiers with lower accuracy will take longer to </a:t>
+            </a:r>
+            <a:r>
+              <a:rPr lang="en-US" dirty="0" smtClean="0"/>
+              <a:t>compile. </a:t>
+            </a:r>
+            <a:endParaRPr lang="en-US" dirty="0" smtClean="0"/>
+          </a:p>
+          <a:p>
             <a:endParaRPr lang="en-US" dirty="0"/>
           </a:p>
         </p:txBody>
@@ -8491,6 +8662,16 @@
   <p:clrMapOvr>
     <a:masterClrMapping/>
   </p:clrMapOvr>
+  <p:transition>
+    <p:plus/>
+  </p:transition>
+  <p:timing>
+    <p:tnLst>
+      <p:par>
+        <p:cTn id="1" dur="indefinite" restart="never" nodeType="tmRoot"/>
+      </p:par>
+    </p:tnLst>
+  </p:timing>
 </p:sld>
 </file>
 
@@ -8585,6 +8766,16 @@
   <p:clrMapOvr>
     <a:masterClrMapping/>
   </p:clrMapOvr>
+  <p:transition>
+    <p:randomBar/>
+  </p:transition>
+  <p:timing>
+    <p:tnLst>
+      <p:par>
+        <p:cTn id="1" dur="indefinite" restart="never" nodeType="tmRoot"/>
+      </p:par>
+    </p:tnLst>
+  </p:timing>
 </p:sld>
 </file>
 
@@ -8690,6 +8881,16 @@
   <p:clrMapOvr>
     <a:masterClrMapping/>
   </p:clrMapOvr>
+  <p:transition>
+    <p:wipe dir="u"/>
+  </p:transition>
+  <p:timing>
+    <p:tnLst>
+      <p:par>
+        <p:cTn id="1" dur="indefinite" restart="never" nodeType="tmRoot"/>
+      </p:par>
+    </p:tnLst>
+  </p:timing>
 </p:sld>
 </file>
 
@@ -8786,6 +8987,16 @@
   <p:clrMapOvr>
     <a:masterClrMapping/>
   </p:clrMapOvr>
+  <p:transition>
+    <p:pull dir="d"/>
+  </p:transition>
+  <p:timing>
+    <p:tnLst>
+      <p:par>
+        <p:cTn id="1" dur="indefinite" restart="never" nodeType="tmRoot"/>
+      </p:par>
+    </p:tnLst>
+  </p:timing>
 </p:sld>
 </file>
 
@@ -8870,15 +9081,7 @@
           <a:p>
             <a:r>
               <a:rPr lang="en-US" smtClean="0"/>
-              <a:t>In </a:t>
-            </a:r>
-            <a:r>
-              <a:rPr lang="en-US" smtClean="0"/>
-              <a:t>side</a:t>
-            </a:r>
-            <a:r>
-              <a:rPr lang="en-US" smtClean="0"/>
-              <a:t> </a:t>
+              <a:t>In side </a:t>
             </a:r>
             <a:r>
               <a:rPr lang="en-US" dirty="0" smtClean="0"/>
@@ -8895,6 +9098,16 @@
   <p:clrMapOvr>
     <a:masterClrMapping/>
   </p:clrMapOvr>
+  <p:transition>
+    <p:strips dir="ru"/>
+  </p:transition>
+  <p:timing>
+    <p:tnLst>
+      <p:par>
+        <p:cTn id="1" dur="indefinite" restart="never" nodeType="tmRoot"/>
+      </p:par>
+    </p:tnLst>
+  </p:timing>
 </p:sld>
 </file>
 
@@ -8955,15 +9168,7 @@
           <a:p>
             <a:r>
               <a:rPr lang="en-US" dirty="0" smtClean="0"/>
-              <a:t>In </a:t>
-            </a:r>
-            <a:r>
-              <a:rPr lang="en-US" dirty="0" smtClean="0"/>
-              <a:t>side </a:t>
-            </a:r>
-            <a:r>
-              <a:rPr lang="en-US" dirty="0" smtClean="0"/>
-              <a:t>figure it is going tells about data type in given data set</a:t>
+              <a:t>In side figure it is going tells about data type in given data set</a:t>
             </a:r>
           </a:p>
           <a:p>
@@ -9000,6 +9205,16 @@
   <p:clrMapOvr>
     <a:masterClrMapping/>
   </p:clrMapOvr>
+  <p:transition>
+    <p:checker/>
+  </p:transition>
+  <p:timing>
+    <p:tnLst>
+      <p:par>
+        <p:cTn id="1" dur="indefinite" restart="never" nodeType="tmRoot"/>
+      </p:par>
+    </p:tnLst>
+  </p:timing>
 </p:sld>
 </file>
 
@@ -9098,6 +9313,16 @@
   <p:clrMapOvr>
     <a:masterClrMapping/>
   </p:clrMapOvr>
+  <p:transition>
+    <p:pull dir="d"/>
+  </p:transition>
+  <p:timing>
+    <p:tnLst>
+      <p:par>
+        <p:cTn id="1" dur="indefinite" restart="never" nodeType="tmRoot"/>
+      </p:par>
+    </p:tnLst>
+  </p:timing>
 </p:sld>
 </file>
 
@@ -9165,6 +9390,16 @@
   <p:clrMapOvr>
     <a:masterClrMapping/>
   </p:clrMapOvr>
+  <p:transition>
+    <p:zoom dir="in"/>
+  </p:transition>
+  <p:timing>
+    <p:tnLst>
+      <p:par>
+        <p:cTn id="1" dur="indefinite" restart="never" nodeType="tmRoot"/>
+      </p:par>
+    </p:tnLst>
+  </p:timing>
 </p:sld>
 </file>
 
@@ -9354,6 +9589,16 @@
   <p:clrMapOvr>
     <a:masterClrMapping/>
   </p:clrMapOvr>
+  <p:transition>
+    <p:split orient="vert" dir="in"/>
+  </p:transition>
+  <p:timing>
+    <p:tnLst>
+      <p:par>
+        <p:cTn id="1" dur="indefinite" restart="never" nodeType="tmRoot"/>
+      </p:par>
+    </p:tnLst>
+  </p:timing>
 </p:sld>
 </file>
 
